--- a/module-3/ppt/3.4-Unsupervised Learning.pptx
+++ b/module-3/ppt/3.4-Unsupervised Learning.pptx
@@ -25436,37 +25436,42 @@
             <p:ph idx="1"/>
           </p:nvPr>
         </p:nvSpPr>
-        <p:spPr/>
+        <p:spPr>
+          <a:xfrm>
+            <a:off x="838199" y="2102291"/>
+            <a:ext cx="10515600" cy="4157428"/>
+          </a:xfrm>
+        </p:spPr>
         <p:txBody>
           <a:bodyPr/>
           <a:lstStyle/>
           <a:p>
             <a:r>
-              <a:rPr lang="en-US" altLang="en-US"/>
+              <a:rPr lang="en-US" altLang="en-US" dirty="0"/>
               <a:t>DDoS attacks</a:t>
             </a:r>
           </a:p>
           <a:p>
             <a:r>
-              <a:rPr lang="en-US" altLang="en-US"/>
+              <a:rPr lang="en-US" altLang="en-US" dirty="0"/>
               <a:t>Routing anomalies</a:t>
             </a:r>
           </a:p>
           <a:p>
             <a:r>
-              <a:rPr lang="en-US" altLang="en-US"/>
+              <a:rPr lang="en-US" altLang="en-US" dirty="0"/>
               <a:t>Link failures</a:t>
             </a:r>
           </a:p>
           <a:p>
             <a:r>
-              <a:rPr lang="en-US" altLang="en-US"/>
+              <a:rPr lang="en-US" altLang="en-US" dirty="0"/>
               <a:t>Flash crowds</a:t>
             </a:r>
           </a:p>
           <a:p>
             <a:r>
-              <a:rPr lang="en-US" altLang="en-US"/>
+              <a:rPr lang="en-US" altLang="en-US" dirty="0"/>
               <a:t>…</a:t>
             </a:r>
           </a:p>
@@ -25632,7 +25637,7 @@
           <a:lstStyle/>
           <a:p>
             <a:r>
-              <a:rPr lang="en-US" altLang="en-US" sz="2800">
+              <a:rPr lang="en-US" altLang="en-US" sz="2800" dirty="0">
                 <a:solidFill>
                   <a:schemeClr val="accent2"/>
                 </a:solidFill>
@@ -30201,7 +30206,7 @@
           <a:graphicData uri="http://schemas.openxmlformats.org/presentationml/2006/ole">
             <mc:AlternateContent xmlns:mc="http://schemas.openxmlformats.org/markup-compatibility/2006">
               <mc:Choice xmlns:v="urn:schemas-microsoft-com:vml" Requires="v">
-                <p:oleObj spid="_x0000_s9217" name="Bitmap Image" r:id="rId4" imgW="1028700" imgH="2908300" progId="Paint.Picture">
+                <p:oleObj spid="_x0000_s9225" name="Bitmap Image" r:id="rId4" imgW="1028700" imgH="2908300" progId="Paint.Picture">
                   <p:embed/>
                 </p:oleObj>
               </mc:Choice>
@@ -32082,7 +32087,7 @@
           <a:graphicData uri="http://schemas.openxmlformats.org/presentationml/2006/ole">
             <mc:AlternateContent xmlns:mc="http://schemas.openxmlformats.org/markup-compatibility/2006">
               <mc:Choice xmlns:v="urn:schemas-microsoft-com:vml" Requires="v">
-                <p:oleObj spid="_x0000_s9218" name="Bitmap Image" r:id="rId6" imgW="1028700" imgH="2908300" progId="Paint.Picture">
+                <p:oleObj spid="_x0000_s9226" name="Bitmap Image" r:id="rId6" imgW="1028700" imgH="2908300" progId="Paint.Picture">
                   <p:embed/>
                 </p:oleObj>
               </mc:Choice>
